--- a/Lanit/Toiminnallinen määrittely/näyttömallit.pptx
+++ b/Lanit/Toiminnallinen määrittely/näyttömallit.pptx
@@ -278,7 +278,7 @@
           <a:p>
             <a:fld id="{64DF072A-FD0D-4929-B4B9-D7F79D32B956}" type="datetimeFigureOut">
               <a:rPr lang="en-US" smtClean="0"/>
-              <a:t>2/15/2018</a:t>
+              <a:t>2/16/2018</a:t>
             </a:fld>
             <a:endParaRPr lang="en-US"/>
           </a:p>
@@ -476,7 +476,7 @@
           <a:p>
             <a:fld id="{64DF072A-FD0D-4929-B4B9-D7F79D32B956}" type="datetimeFigureOut">
               <a:rPr lang="en-US" smtClean="0"/>
-              <a:t>2/15/2018</a:t>
+              <a:t>2/16/2018</a:t>
             </a:fld>
             <a:endParaRPr lang="en-US"/>
           </a:p>
@@ -684,7 +684,7 @@
           <a:p>
             <a:fld id="{64DF072A-FD0D-4929-B4B9-D7F79D32B956}" type="datetimeFigureOut">
               <a:rPr lang="en-US" smtClean="0"/>
-              <a:t>2/15/2018</a:t>
+              <a:t>2/16/2018</a:t>
             </a:fld>
             <a:endParaRPr lang="en-US"/>
           </a:p>
@@ -882,7 +882,7 @@
           <a:p>
             <a:fld id="{64DF072A-FD0D-4929-B4B9-D7F79D32B956}" type="datetimeFigureOut">
               <a:rPr lang="en-US" smtClean="0"/>
-              <a:t>2/15/2018</a:t>
+              <a:t>2/16/2018</a:t>
             </a:fld>
             <a:endParaRPr lang="en-US"/>
           </a:p>
@@ -1157,7 +1157,7 @@
           <a:p>
             <a:fld id="{64DF072A-FD0D-4929-B4B9-D7F79D32B956}" type="datetimeFigureOut">
               <a:rPr lang="en-US" smtClean="0"/>
-              <a:t>2/15/2018</a:t>
+              <a:t>2/16/2018</a:t>
             </a:fld>
             <a:endParaRPr lang="en-US"/>
           </a:p>
@@ -1422,7 +1422,7 @@
           <a:p>
             <a:fld id="{64DF072A-FD0D-4929-B4B9-D7F79D32B956}" type="datetimeFigureOut">
               <a:rPr lang="en-US" smtClean="0"/>
-              <a:t>2/15/2018</a:t>
+              <a:t>2/16/2018</a:t>
             </a:fld>
             <a:endParaRPr lang="en-US"/>
           </a:p>
@@ -1834,7 +1834,7 @@
           <a:p>
             <a:fld id="{64DF072A-FD0D-4929-B4B9-D7F79D32B956}" type="datetimeFigureOut">
               <a:rPr lang="en-US" smtClean="0"/>
-              <a:t>2/15/2018</a:t>
+              <a:t>2/16/2018</a:t>
             </a:fld>
             <a:endParaRPr lang="en-US"/>
           </a:p>
@@ -1975,7 +1975,7 @@
           <a:p>
             <a:fld id="{64DF072A-FD0D-4929-B4B9-D7F79D32B956}" type="datetimeFigureOut">
               <a:rPr lang="en-US" smtClean="0"/>
-              <a:t>2/15/2018</a:t>
+              <a:t>2/16/2018</a:t>
             </a:fld>
             <a:endParaRPr lang="en-US"/>
           </a:p>
@@ -2088,7 +2088,7 @@
           <a:p>
             <a:fld id="{64DF072A-FD0D-4929-B4B9-D7F79D32B956}" type="datetimeFigureOut">
               <a:rPr lang="en-US" smtClean="0"/>
-              <a:t>2/15/2018</a:t>
+              <a:t>2/16/2018</a:t>
             </a:fld>
             <a:endParaRPr lang="en-US"/>
           </a:p>
@@ -2399,7 +2399,7 @@
           <a:p>
             <a:fld id="{64DF072A-FD0D-4929-B4B9-D7F79D32B956}" type="datetimeFigureOut">
               <a:rPr lang="en-US" smtClean="0"/>
-              <a:t>2/15/2018</a:t>
+              <a:t>2/16/2018</a:t>
             </a:fld>
             <a:endParaRPr lang="en-US"/>
           </a:p>
@@ -2687,7 +2687,7 @@
           <a:p>
             <a:fld id="{64DF072A-FD0D-4929-B4B9-D7F79D32B956}" type="datetimeFigureOut">
               <a:rPr lang="en-US" smtClean="0"/>
-              <a:t>2/15/2018</a:t>
+              <a:t>2/16/2018</a:t>
             </a:fld>
             <a:endParaRPr lang="en-US"/>
           </a:p>
@@ -2928,7 +2928,7 @@
           <a:p>
             <a:fld id="{64DF072A-FD0D-4929-B4B9-D7F79D32B956}" type="datetimeFigureOut">
               <a:rPr lang="en-US" smtClean="0"/>
-              <a:t>2/15/2018</a:t>
+              <a:t>2/16/2018</a:t>
             </a:fld>
             <a:endParaRPr lang="en-US"/>
           </a:p>
@@ -7582,6 +7582,158 @@
           </a:p>
         </p:txBody>
       </p:sp>
+      <p:sp>
+        <p:nvSpPr>
+          <p:cNvPr id="2" name="Isosceles Triangle 1"/>
+          <p:cNvSpPr/>
+          <p:nvPr/>
+        </p:nvSpPr>
+        <p:spPr>
+          <a:xfrm rot="10800000">
+            <a:off x="5037510" y="3826975"/>
+            <a:ext cx="249383" cy="157942"/>
+          </a:xfrm>
+          <a:prstGeom prst="triangle">
+            <a:avLst/>
+          </a:prstGeom>
+        </p:spPr>
+        <p:style>
+          <a:lnRef idx="2">
+            <a:schemeClr val="dk1"/>
+          </a:lnRef>
+          <a:fillRef idx="1">
+            <a:schemeClr val="lt1"/>
+          </a:fillRef>
+          <a:effectRef idx="0">
+            <a:schemeClr val="dk1"/>
+          </a:effectRef>
+          <a:fontRef idx="minor">
+            <a:schemeClr val="dk1"/>
+          </a:fontRef>
+        </p:style>
+        <p:txBody>
+          <a:bodyPr rtlCol="0" anchor="ctr"/>
+          <a:lstStyle/>
+          <a:p>
+            <a:pPr algn="ctr"/>
+            <a:endParaRPr lang="fi-FI"/>
+          </a:p>
+        </p:txBody>
+      </p:sp>
+      <p:sp>
+        <p:nvSpPr>
+          <p:cNvPr id="42" name="Isosceles Triangle 41"/>
+          <p:cNvSpPr/>
+          <p:nvPr/>
+        </p:nvSpPr>
+        <p:spPr>
+          <a:xfrm rot="10800000">
+            <a:off x="5037510" y="4252308"/>
+            <a:ext cx="249383" cy="157942"/>
+          </a:xfrm>
+          <a:prstGeom prst="triangle">
+            <a:avLst/>
+          </a:prstGeom>
+        </p:spPr>
+        <p:style>
+          <a:lnRef idx="2">
+            <a:schemeClr val="dk1"/>
+          </a:lnRef>
+          <a:fillRef idx="1">
+            <a:schemeClr val="lt1"/>
+          </a:fillRef>
+          <a:effectRef idx="0">
+            <a:schemeClr val="dk1"/>
+          </a:effectRef>
+          <a:fontRef idx="minor">
+            <a:schemeClr val="dk1"/>
+          </a:fontRef>
+        </p:style>
+        <p:txBody>
+          <a:bodyPr rtlCol="0" anchor="ctr"/>
+          <a:lstStyle/>
+          <a:p>
+            <a:pPr algn="ctr"/>
+            <a:endParaRPr lang="fi-FI"/>
+          </a:p>
+        </p:txBody>
+      </p:sp>
+      <p:sp>
+        <p:nvSpPr>
+          <p:cNvPr id="43" name="Isosceles Triangle 42"/>
+          <p:cNvSpPr/>
+          <p:nvPr/>
+        </p:nvSpPr>
+        <p:spPr>
+          <a:xfrm rot="10800000">
+            <a:off x="5037510" y="1268731"/>
+            <a:ext cx="249383" cy="157942"/>
+          </a:xfrm>
+          <a:prstGeom prst="triangle">
+            <a:avLst/>
+          </a:prstGeom>
+        </p:spPr>
+        <p:style>
+          <a:lnRef idx="2">
+            <a:schemeClr val="dk1"/>
+          </a:lnRef>
+          <a:fillRef idx="1">
+            <a:schemeClr val="lt1"/>
+          </a:fillRef>
+          <a:effectRef idx="0">
+            <a:schemeClr val="dk1"/>
+          </a:effectRef>
+          <a:fontRef idx="minor">
+            <a:schemeClr val="dk1"/>
+          </a:fontRef>
+        </p:style>
+        <p:txBody>
+          <a:bodyPr rtlCol="0" anchor="ctr"/>
+          <a:lstStyle/>
+          <a:p>
+            <a:pPr algn="ctr"/>
+            <a:endParaRPr lang="fi-FI"/>
+          </a:p>
+        </p:txBody>
+      </p:sp>
+      <p:sp>
+        <p:nvSpPr>
+          <p:cNvPr id="44" name="Isosceles Triangle 43"/>
+          <p:cNvSpPr/>
+          <p:nvPr/>
+        </p:nvSpPr>
+        <p:spPr>
+          <a:xfrm rot="10800000">
+            <a:off x="5037510" y="1695105"/>
+            <a:ext cx="249383" cy="157942"/>
+          </a:xfrm>
+          <a:prstGeom prst="triangle">
+            <a:avLst/>
+          </a:prstGeom>
+        </p:spPr>
+        <p:style>
+          <a:lnRef idx="2">
+            <a:schemeClr val="dk1"/>
+          </a:lnRef>
+          <a:fillRef idx="1">
+            <a:schemeClr val="lt1"/>
+          </a:fillRef>
+          <a:effectRef idx="0">
+            <a:schemeClr val="dk1"/>
+          </a:effectRef>
+          <a:fontRef idx="minor">
+            <a:schemeClr val="dk1"/>
+          </a:fontRef>
+        </p:style>
+        <p:txBody>
+          <a:bodyPr rtlCol="0" anchor="ctr"/>
+          <a:lstStyle/>
+          <a:p>
+            <a:pPr algn="ctr"/>
+            <a:endParaRPr lang="fi-FI"/>
+          </a:p>
+        </p:txBody>
+      </p:sp>
     </p:spTree>
     <p:extLst>
       <p:ext uri="{BB962C8B-B14F-4D97-AF65-F5344CB8AC3E}">
